--- a/쇼핑몰/쇼핑몰 프로젝트_7장.pptx
+++ b/쇼핑몰/쇼핑몰 프로젝트_7장.pptx
@@ -5,7 +5,7 @@
     <p:sldMasterId id="2147483648" r:id="rId1"/>
   </p:sldMasterIdLst>
   <p:notesMasterIdLst>
-    <p:notesMasterId r:id="rId51"/>
+    <p:notesMasterId r:id="rId52"/>
   </p:notesMasterIdLst>
   <p:sldIdLst>
     <p:sldId id="374" r:id="rId2"/>
@@ -54,9 +54,10 @@
     <p:sldId id="702" r:id="rId45"/>
     <p:sldId id="703" r:id="rId46"/>
     <p:sldId id="704" r:id="rId47"/>
-    <p:sldId id="705" r:id="rId48"/>
-    <p:sldId id="706" r:id="rId49"/>
-    <p:sldId id="312" r:id="rId50"/>
+    <p:sldId id="707" r:id="rId48"/>
+    <p:sldId id="705" r:id="rId49"/>
+    <p:sldId id="706" r:id="rId50"/>
+    <p:sldId id="312" r:id="rId51"/>
   </p:sldIdLst>
   <p:sldSz cx="9144000" cy="6858000" type="screen4x3"/>
   <p:notesSz cx="6858000" cy="9144000"/>
@@ -2563,7 +2564,7 @@
             <a:fld id="{CD7ED4FF-6B0E-42FA-A737-D604B334571E}" type="datetimeFigureOut">
               <a:rPr lang="ko-KR" altLang="en-US" smtClean="0"/>
               <a:pPr/>
-              <a:t>2023-05-12</a:t>
+              <a:t>2023-08-17</a:t>
             </a:fld>
             <a:endParaRPr lang="ko-KR" altLang="en-US"/>
           </a:p>
@@ -2899,7 +2900,7 @@
             <a:fld id="{A0A51D67-0C14-4576-BCC5-A508196B7BB5}" type="slidenum">
               <a:rPr lang="ko-KR" altLang="en-US" smtClean="0"/>
               <a:pPr/>
-              <a:t>49</a:t>
+              <a:t>50</a:t>
             </a:fld>
             <a:endParaRPr lang="ko-KR" altLang="en-US"/>
           </a:p>
@@ -3093,7 +3094,7 @@
             <a:fld id="{945CA99F-7021-4A81-BE66-6CA625D4B2D7}" type="datetimeFigureOut">
               <a:rPr lang="ko-KR" altLang="en-US" smtClean="0"/>
               <a:pPr/>
-              <a:t>2023-05-12</a:t>
+              <a:t>2023-08-17</a:t>
             </a:fld>
             <a:endParaRPr lang="ko-KR" altLang="en-US"/>
           </a:p>
@@ -3263,7 +3264,7 @@
             <a:fld id="{945CA99F-7021-4A81-BE66-6CA625D4B2D7}" type="datetimeFigureOut">
               <a:rPr lang="ko-KR" altLang="en-US" smtClean="0"/>
               <a:pPr/>
-              <a:t>2023-05-12</a:t>
+              <a:t>2023-08-17</a:t>
             </a:fld>
             <a:endParaRPr lang="ko-KR" altLang="en-US"/>
           </a:p>
@@ -3443,7 +3444,7 @@
             <a:fld id="{945CA99F-7021-4A81-BE66-6CA625D4B2D7}" type="datetimeFigureOut">
               <a:rPr lang="ko-KR" altLang="en-US" smtClean="0"/>
               <a:pPr/>
-              <a:t>2023-05-12</a:t>
+              <a:t>2023-08-17</a:t>
             </a:fld>
             <a:endParaRPr lang="ko-KR" altLang="en-US"/>
           </a:p>
@@ -4004,7 +4005,7 @@
             <a:fld id="{945CA99F-7021-4A81-BE66-6CA625D4B2D7}" type="datetimeFigureOut">
               <a:rPr lang="ko-KR" altLang="en-US" smtClean="0"/>
               <a:pPr/>
-              <a:t>2023-05-12</a:t>
+              <a:t>2023-08-17</a:t>
             </a:fld>
             <a:endParaRPr lang="ko-KR" altLang="en-US"/>
           </a:p>
@@ -4291,7 +4292,7 @@
             <a:fld id="{945CA99F-7021-4A81-BE66-6CA625D4B2D7}" type="datetimeFigureOut">
               <a:rPr lang="ko-KR" altLang="en-US" smtClean="0"/>
               <a:pPr/>
-              <a:t>2023-05-12</a:t>
+              <a:t>2023-08-17</a:t>
             </a:fld>
             <a:endParaRPr lang="ko-KR" altLang="en-US"/>
           </a:p>
@@ -4712,7 +4713,7 @@
             <a:fld id="{945CA99F-7021-4A81-BE66-6CA625D4B2D7}" type="datetimeFigureOut">
               <a:rPr lang="ko-KR" altLang="en-US" smtClean="0"/>
               <a:pPr/>
-              <a:t>2023-05-12</a:t>
+              <a:t>2023-08-17</a:t>
             </a:fld>
             <a:endParaRPr lang="ko-KR" altLang="en-US"/>
           </a:p>
@@ -4831,7 +4832,7 @@
             <a:fld id="{945CA99F-7021-4A81-BE66-6CA625D4B2D7}" type="datetimeFigureOut">
               <a:rPr lang="ko-KR" altLang="en-US" smtClean="0"/>
               <a:pPr/>
-              <a:t>2023-05-12</a:t>
+              <a:t>2023-08-17</a:t>
             </a:fld>
             <a:endParaRPr lang="ko-KR" altLang="en-US"/>
           </a:p>
@@ -4928,7 +4929,7 @@
             <a:fld id="{945CA99F-7021-4A81-BE66-6CA625D4B2D7}" type="datetimeFigureOut">
               <a:rPr lang="ko-KR" altLang="en-US" smtClean="0"/>
               <a:pPr/>
-              <a:t>2023-05-12</a:t>
+              <a:t>2023-08-17</a:t>
             </a:fld>
             <a:endParaRPr lang="ko-KR" altLang="en-US"/>
           </a:p>
@@ -5205,7 +5206,7 @@
             <a:fld id="{945CA99F-7021-4A81-BE66-6CA625D4B2D7}" type="datetimeFigureOut">
               <a:rPr lang="ko-KR" altLang="en-US" smtClean="0"/>
               <a:pPr/>
-              <a:t>2023-05-12</a:t>
+              <a:t>2023-08-17</a:t>
             </a:fld>
             <a:endParaRPr lang="ko-KR" altLang="en-US"/>
           </a:p>
@@ -5459,7 +5460,7 @@
             <a:fld id="{945CA99F-7021-4A81-BE66-6CA625D4B2D7}" type="datetimeFigureOut">
               <a:rPr lang="ko-KR" altLang="en-US" smtClean="0"/>
               <a:pPr/>
-              <a:t>2023-05-12</a:t>
+              <a:t>2023-08-17</a:t>
             </a:fld>
             <a:endParaRPr lang="ko-KR" altLang="en-US"/>
           </a:p>
@@ -5672,7 +5673,7 @@
             <a:fld id="{945CA99F-7021-4A81-BE66-6CA625D4B2D7}" type="datetimeFigureOut">
               <a:rPr lang="ko-KR" altLang="en-US" smtClean="0"/>
               <a:pPr/>
-              <a:t>2023-05-12</a:t>
+              <a:t>2023-08-17</a:t>
             </a:fld>
             <a:endParaRPr lang="ko-KR" altLang="en-US"/>
           </a:p>
@@ -12141,7 +12142,7 @@
         </p:blipFill>
         <p:spPr>
           <a:xfrm>
-            <a:off x="394295" y="908720"/>
+            <a:off x="611560" y="908720"/>
             <a:ext cx="4204956" cy="5435503"/>
           </a:xfrm>
           <a:prstGeom prst="rect">
@@ -12826,6 +12827,74 @@
           <a:bodyPr/>
           <a:lstStyle/>
           <a:p>
+            <a:endParaRPr lang="ko-KR" altLang="en-US"/>
+          </a:p>
+        </p:txBody>
+      </p:sp>
+      <p:sp>
+        <p:nvSpPr>
+          <p:cNvPr id="3" name="내용 개체 틀 2"/>
+          <p:cNvSpPr>
+            <a:spLocks noGrp="1"/>
+          </p:cNvSpPr>
+          <p:nvPr>
+            <p:ph idx="1"/>
+          </p:nvPr>
+        </p:nvSpPr>
+        <p:spPr/>
+        <p:txBody>
+          <a:bodyPr/>
+          <a:lstStyle/>
+          <a:p>
+            <a:endParaRPr lang="ko-KR" altLang="en-US"/>
+          </a:p>
+        </p:txBody>
+      </p:sp>
+    </p:spTree>
+    <p:extLst>
+      <p:ext uri="{BB962C8B-B14F-4D97-AF65-F5344CB8AC3E}">
+        <p14:creationId xmlns:p14="http://schemas.microsoft.com/office/powerpoint/2010/main" val="2117645021"/>
+      </p:ext>
+    </p:extLst>
+  </p:cSld>
+  <p:clrMapOvr>
+    <a:masterClrMapping/>
+  </p:clrMapOvr>
+</p:sld>
+</file>
+
+<file path=ppt/slides/slide48.xml><?xml version="1.0" encoding="utf-8"?>
+<p:sld xmlns:a="http://schemas.openxmlformats.org/drawingml/2006/main" xmlns:r="http://schemas.openxmlformats.org/officeDocument/2006/relationships" xmlns:p="http://schemas.openxmlformats.org/presentationml/2006/main">
+  <p:cSld>
+    <p:spTree>
+      <p:nvGrpSpPr>
+        <p:cNvPr id="1" name=""/>
+        <p:cNvGrpSpPr/>
+        <p:nvPr/>
+      </p:nvGrpSpPr>
+      <p:grpSpPr>
+        <a:xfrm>
+          <a:off x="0" y="0"/>
+          <a:ext cx="0" cy="0"/>
+          <a:chOff x="0" y="0"/>
+          <a:chExt cx="0" cy="0"/>
+        </a:xfrm>
+      </p:grpSpPr>
+      <p:sp>
+        <p:nvSpPr>
+          <p:cNvPr id="2" name="제목 1"/>
+          <p:cNvSpPr>
+            <a:spLocks noGrp="1"/>
+          </p:cNvSpPr>
+          <p:nvPr>
+            <p:ph type="title"/>
+          </p:nvPr>
+        </p:nvSpPr>
+        <p:spPr/>
+        <p:txBody>
+          <a:bodyPr/>
+          <a:lstStyle/>
+          <a:p>
             <a:r>
               <a:rPr lang="en-US" altLang="ko-KR" dirty="0"/>
               <a:t>7.3</a:t>
@@ -13089,7 +13158,7 @@
 </p:sld>
 </file>
 
-<file path=ppt/slides/slide48.xml><?xml version="1.0" encoding="utf-8"?>
+<file path=ppt/slides/slide49.xml><?xml version="1.0" encoding="utf-8"?>
 <p:sld xmlns:a="http://schemas.openxmlformats.org/drawingml/2006/main" xmlns:r="http://schemas.openxmlformats.org/officeDocument/2006/relationships" xmlns:p="http://schemas.openxmlformats.org/presentationml/2006/main">
   <p:cSld>
     <p:spTree>
@@ -13168,395 +13237,6 @@
         <p14:creationId xmlns:p14="http://schemas.microsoft.com/office/powerpoint/2010/main" val="2749070395"/>
       </p:ext>
     </p:extLst>
-  </p:cSld>
-  <p:clrMapOvr>
-    <a:masterClrMapping/>
-  </p:clrMapOvr>
-</p:sld>
-</file>
-
-<file path=ppt/slides/slide49.xml><?xml version="1.0" encoding="utf-8"?>
-<p:sld xmlns:a="http://schemas.openxmlformats.org/drawingml/2006/main" xmlns:r="http://schemas.openxmlformats.org/officeDocument/2006/relationships" xmlns:p="http://schemas.openxmlformats.org/presentationml/2006/main">
-  <p:cSld>
-    <p:spTree>
-      <p:nvGrpSpPr>
-        <p:cNvPr id="1" name=""/>
-        <p:cNvGrpSpPr/>
-        <p:nvPr/>
-      </p:nvGrpSpPr>
-      <p:grpSpPr>
-        <a:xfrm>
-          <a:off x="0" y="0"/>
-          <a:ext cx="0" cy="0"/>
-          <a:chOff x="0" y="0"/>
-          <a:chExt cx="0" cy="0"/>
-        </a:xfrm>
-      </p:grpSpPr>
-      <p:sp>
-        <p:nvSpPr>
-          <p:cNvPr id="2" name="제목 1"/>
-          <p:cNvSpPr>
-            <a:spLocks noGrp="1"/>
-          </p:cNvSpPr>
-          <p:nvPr>
-            <p:ph type="ctrTitle"/>
-          </p:nvPr>
-        </p:nvSpPr>
-        <p:spPr>
-          <a:xfrm>
-            <a:off x="489118" y="2394473"/>
-            <a:ext cx="8157370" cy="1041751"/>
-          </a:xfrm>
-        </p:spPr>
-        <p:txBody>
-          <a:bodyPr anchor="ctr">
-            <a:normAutofit/>
-          </a:bodyPr>
-          <a:lstStyle/>
-          <a:p>
-            <a:r>
-              <a:rPr lang="en-US" altLang="ko-KR" sz="4000" b="1" spc="-250" dirty="0">
-                <a:solidFill>
-                  <a:schemeClr val="accent4">
-                    <a:lumMod val="50000"/>
-                  </a:schemeClr>
-                </a:solidFill>
-                <a:latin typeface="나눔고딕" pitchFamily="50" charset="-127"/>
-                <a:ea typeface="나눔고딕" pitchFamily="50" charset="-127"/>
-              </a:rPr>
-              <a:t>Thank you for your attention</a:t>
-            </a:r>
-            <a:endParaRPr lang="ko-KR" altLang="en-US" sz="4000" b="1" spc="-250" dirty="0">
-              <a:solidFill>
-                <a:schemeClr val="accent4">
-                  <a:lumMod val="50000"/>
-                </a:schemeClr>
-              </a:solidFill>
-              <a:latin typeface="나눔고딕" pitchFamily="50" charset="-127"/>
-              <a:ea typeface="나눔고딕" pitchFamily="50" charset="-127"/>
-            </a:endParaRPr>
-          </a:p>
-        </p:txBody>
-      </p:sp>
-      <p:cxnSp>
-        <p:nvCxnSpPr>
-          <p:cNvPr id="10" name="직선 연결선 9"/>
-          <p:cNvCxnSpPr/>
-          <p:nvPr/>
-        </p:nvCxnSpPr>
-        <p:spPr>
-          <a:xfrm>
-            <a:off x="364803" y="3434686"/>
-            <a:ext cx="8406000" cy="0"/>
-          </a:xfrm>
-          <a:prstGeom prst="line">
-            <a:avLst/>
-          </a:prstGeom>
-          <a:ln w="12700">
-            <a:solidFill>
-              <a:schemeClr val="accent4">
-                <a:lumMod val="50000"/>
-              </a:schemeClr>
-            </a:solidFill>
-          </a:ln>
-        </p:spPr>
-        <p:style>
-          <a:lnRef idx="1">
-            <a:schemeClr val="accent1"/>
-          </a:lnRef>
-          <a:fillRef idx="0">
-            <a:schemeClr val="accent1"/>
-          </a:fillRef>
-          <a:effectRef idx="0">
-            <a:schemeClr val="accent1"/>
-          </a:effectRef>
-          <a:fontRef idx="minor">
-            <a:schemeClr val="tx1"/>
-          </a:fontRef>
-        </p:style>
-      </p:cxnSp>
-      <p:sp>
-        <p:nvSpPr>
-          <p:cNvPr id="4" name="부제목 2"/>
-          <p:cNvSpPr txBox="1">
-            <a:spLocks/>
-          </p:cNvSpPr>
-          <p:nvPr/>
-        </p:nvSpPr>
-        <p:spPr>
-          <a:xfrm>
-            <a:off x="4583927" y="6021288"/>
-            <a:ext cx="5460173" cy="692696"/>
-          </a:xfrm>
-          <a:prstGeom prst="rect">
-            <a:avLst/>
-          </a:prstGeom>
-        </p:spPr>
-        <p:txBody>
-          <a:bodyPr vert="horz" lIns="91440" tIns="45720" rIns="91440" bIns="45720" rtlCol="0">
-            <a:noAutofit/>
-          </a:bodyPr>
-          <a:lstStyle>
-            <a:lvl1pPr marL="0" indent="0" algn="l" defTabSz="914400" rtl="0" eaLnBrk="1" latinLnBrk="1" hangingPunct="1">
-              <a:spcBef>
-                <a:spcPct val="20000"/>
-              </a:spcBef>
-              <a:buFont typeface="Arial" pitchFamily="34" charset="0"/>
-              <a:buNone/>
-              <a:defRPr sz="3200" kern="1200">
-                <a:solidFill>
-                  <a:schemeClr val="tx1">
-                    <a:tint val="75000"/>
-                  </a:schemeClr>
-                </a:solidFill>
-                <a:latin typeface="+mn-lt"/>
-                <a:ea typeface="+mn-ea"/>
-                <a:cs typeface="+mn-cs"/>
-              </a:defRPr>
-            </a:lvl1pPr>
-            <a:lvl2pPr marL="457200" indent="0" algn="ctr" defTabSz="914400" rtl="0" eaLnBrk="1" latinLnBrk="1" hangingPunct="1">
-              <a:spcBef>
-                <a:spcPct val="20000"/>
-              </a:spcBef>
-              <a:buFont typeface="Arial" pitchFamily="34" charset="0"/>
-              <a:buNone/>
-              <a:defRPr sz="2800" kern="1200">
-                <a:solidFill>
-                  <a:schemeClr val="tx1">
-                    <a:tint val="75000"/>
-                  </a:schemeClr>
-                </a:solidFill>
-                <a:latin typeface="+mn-lt"/>
-                <a:ea typeface="+mn-ea"/>
-                <a:cs typeface="+mn-cs"/>
-              </a:defRPr>
-            </a:lvl2pPr>
-            <a:lvl3pPr marL="914400" indent="0" algn="ctr" defTabSz="914400" rtl="0" eaLnBrk="1" latinLnBrk="1" hangingPunct="1">
-              <a:spcBef>
-                <a:spcPct val="20000"/>
-              </a:spcBef>
-              <a:buFont typeface="Arial" pitchFamily="34" charset="0"/>
-              <a:buNone/>
-              <a:defRPr sz="2400" kern="1200">
-                <a:solidFill>
-                  <a:schemeClr val="tx1">
-                    <a:tint val="75000"/>
-                  </a:schemeClr>
-                </a:solidFill>
-                <a:latin typeface="+mn-lt"/>
-                <a:ea typeface="+mn-ea"/>
-                <a:cs typeface="+mn-cs"/>
-              </a:defRPr>
-            </a:lvl3pPr>
-            <a:lvl4pPr marL="1371600" indent="0" algn="ctr" defTabSz="914400" rtl="0" eaLnBrk="1" latinLnBrk="1" hangingPunct="1">
-              <a:spcBef>
-                <a:spcPct val="20000"/>
-              </a:spcBef>
-              <a:buFont typeface="Arial" pitchFamily="34" charset="0"/>
-              <a:buNone/>
-              <a:defRPr sz="2000" kern="1200">
-                <a:solidFill>
-                  <a:schemeClr val="tx1">
-                    <a:tint val="75000"/>
-                  </a:schemeClr>
-                </a:solidFill>
-                <a:latin typeface="+mn-lt"/>
-                <a:ea typeface="+mn-ea"/>
-                <a:cs typeface="+mn-cs"/>
-              </a:defRPr>
-            </a:lvl4pPr>
-            <a:lvl5pPr marL="1828800" indent="0" algn="ctr" defTabSz="914400" rtl="0" eaLnBrk="1" latinLnBrk="1" hangingPunct="1">
-              <a:spcBef>
-                <a:spcPct val="20000"/>
-              </a:spcBef>
-              <a:buFont typeface="Arial" pitchFamily="34" charset="0"/>
-              <a:buNone/>
-              <a:defRPr sz="2000" kern="1200">
-                <a:solidFill>
-                  <a:schemeClr val="tx1">
-                    <a:tint val="75000"/>
-                  </a:schemeClr>
-                </a:solidFill>
-                <a:latin typeface="+mn-lt"/>
-                <a:ea typeface="+mn-ea"/>
-                <a:cs typeface="+mn-cs"/>
-              </a:defRPr>
-            </a:lvl5pPr>
-            <a:lvl6pPr marL="2286000" indent="0" algn="ctr" defTabSz="914400" rtl="0" eaLnBrk="1" latinLnBrk="1" hangingPunct="1">
-              <a:spcBef>
-                <a:spcPct val="20000"/>
-              </a:spcBef>
-              <a:buFont typeface="Arial" pitchFamily="34" charset="0"/>
-              <a:buNone/>
-              <a:defRPr sz="2000" kern="1200">
-                <a:solidFill>
-                  <a:schemeClr val="tx1">
-                    <a:tint val="75000"/>
-                  </a:schemeClr>
-                </a:solidFill>
-                <a:latin typeface="+mn-lt"/>
-                <a:ea typeface="+mn-ea"/>
-                <a:cs typeface="+mn-cs"/>
-              </a:defRPr>
-            </a:lvl6pPr>
-            <a:lvl7pPr marL="2743200" indent="0" algn="ctr" defTabSz="914400" rtl="0" eaLnBrk="1" latinLnBrk="1" hangingPunct="1">
-              <a:spcBef>
-                <a:spcPct val="20000"/>
-              </a:spcBef>
-              <a:buFont typeface="Arial" pitchFamily="34" charset="0"/>
-              <a:buNone/>
-              <a:defRPr sz="2000" kern="1200">
-                <a:solidFill>
-                  <a:schemeClr val="tx1">
-                    <a:tint val="75000"/>
-                  </a:schemeClr>
-                </a:solidFill>
-                <a:latin typeface="+mn-lt"/>
-                <a:ea typeface="+mn-ea"/>
-                <a:cs typeface="+mn-cs"/>
-              </a:defRPr>
-            </a:lvl7pPr>
-            <a:lvl8pPr marL="3200400" indent="0" algn="ctr" defTabSz="914400" rtl="0" eaLnBrk="1" latinLnBrk="1" hangingPunct="1">
-              <a:spcBef>
-                <a:spcPct val="20000"/>
-              </a:spcBef>
-              <a:buFont typeface="Arial" pitchFamily="34" charset="0"/>
-              <a:buNone/>
-              <a:defRPr sz="2000" kern="1200">
-                <a:solidFill>
-                  <a:schemeClr val="tx1">
-                    <a:tint val="75000"/>
-                  </a:schemeClr>
-                </a:solidFill>
-                <a:latin typeface="+mn-lt"/>
-                <a:ea typeface="+mn-ea"/>
-                <a:cs typeface="+mn-cs"/>
-              </a:defRPr>
-            </a:lvl8pPr>
-            <a:lvl9pPr marL="3657600" indent="0" algn="ctr" defTabSz="914400" rtl="0" eaLnBrk="1" latinLnBrk="1" hangingPunct="1">
-              <a:spcBef>
-                <a:spcPct val="20000"/>
-              </a:spcBef>
-              <a:buFont typeface="Arial" pitchFamily="34" charset="0"/>
-              <a:buNone/>
-              <a:defRPr sz="2000" kern="1200">
-                <a:solidFill>
-                  <a:schemeClr val="tx1">
-                    <a:tint val="75000"/>
-                  </a:schemeClr>
-                </a:solidFill>
-                <a:latin typeface="+mn-lt"/>
-                <a:ea typeface="+mn-ea"/>
-                <a:cs typeface="+mn-cs"/>
-              </a:defRPr>
-            </a:lvl9pPr>
-          </a:lstStyle>
-          <a:p>
-            <a:r>
-              <a:rPr lang="ko-KR" altLang="en-US" sz="800" dirty="0">
-                <a:latin typeface="나눔 고딕"/>
-              </a:rPr>
-              <a:t>ⓒ </a:t>
-            </a:r>
-            <a:r>
-              <a:rPr lang="en-US" altLang="ko-KR" sz="800" dirty="0">
-                <a:latin typeface="나눔 고딕"/>
-              </a:rPr>
-              <a:t>2021. </a:t>
-            </a:r>
-            <a:r>
-              <a:rPr lang="ko-KR" altLang="en-US" sz="800" dirty="0" err="1">
-                <a:latin typeface="나눔 고딕"/>
-              </a:rPr>
-              <a:t>변구훈</a:t>
-            </a:r>
-            <a:r>
-              <a:rPr lang="ko-KR" altLang="en-US" sz="800" dirty="0">
-                <a:latin typeface="나눔 고딕"/>
-              </a:rPr>
-              <a:t> </a:t>
-            </a:r>
-            <a:r>
-              <a:rPr lang="en-US" altLang="ko-KR" sz="800" dirty="0">
-                <a:latin typeface="나눔 고딕"/>
-              </a:rPr>
-              <a:t>&amp; </a:t>
-            </a:r>
-            <a:r>
-              <a:rPr lang="ko-KR" altLang="en-US" sz="800" dirty="0" err="1">
-                <a:latin typeface="나눔 고딕"/>
-              </a:rPr>
-              <a:t>로드북</a:t>
-            </a:r>
-            <a:r>
-              <a:rPr lang="ko-KR" altLang="en-US" sz="800" dirty="0">
-                <a:latin typeface="나눔 고딕"/>
-              </a:rPr>
-              <a:t> </a:t>
-            </a:r>
-            <a:r>
-              <a:rPr lang="en-US" altLang="ko-KR" sz="800" dirty="0">
-                <a:latin typeface="나눔 고딕"/>
-              </a:rPr>
-              <a:t>all rights reserved.</a:t>
-            </a:r>
-            <a:br>
-              <a:rPr lang="en-US" altLang="ko-KR" sz="800" dirty="0">
-                <a:latin typeface="나눔 고딕"/>
-              </a:rPr>
-            </a:br>
-            <a:br>
-              <a:rPr lang="en-US" altLang="ko-KR" sz="800" dirty="0">
-                <a:latin typeface="나눔 고딕"/>
-              </a:rPr>
-            </a:br>
-            <a:r>
-              <a:rPr lang="ko-KR" altLang="en-US" sz="800" dirty="0">
-                <a:latin typeface="나눔 고딕"/>
-              </a:rPr>
-              <a:t>이 콘텐츠의 저작권은 조휘용과 로드북에 있습니다</a:t>
-            </a:r>
-            <a:r>
-              <a:rPr lang="en-US" altLang="ko-KR" sz="800" dirty="0">
-                <a:latin typeface="나눔 고딕"/>
-              </a:rPr>
-              <a:t>. </a:t>
-            </a:r>
-            <a:br>
-              <a:rPr lang="en-US" altLang="ko-KR" sz="800" dirty="0">
-                <a:latin typeface="나눔 고딕"/>
-              </a:rPr>
-            </a:br>
-            <a:r>
-              <a:rPr lang="ko-KR" altLang="en-US" sz="800" dirty="0">
-                <a:latin typeface="나눔 고딕"/>
-              </a:rPr>
-              <a:t>재배포가 가능하지만 저작권자 표시 및 콘텐츠 시작 부분에 나오는 표지를 반드시 실어야 합니다</a:t>
-            </a:r>
-            <a:r>
-              <a:rPr lang="en-US" altLang="ko-KR" sz="800" dirty="0">
-                <a:latin typeface="나눔 고딕"/>
-              </a:rPr>
-              <a:t>.</a:t>
-            </a:r>
-          </a:p>
-          <a:p>
-            <a:r>
-              <a:rPr lang="ko-KR" altLang="en-US" sz="800" dirty="0">
-                <a:latin typeface="나눔 고딕"/>
-              </a:rPr>
-              <a:t>수정하여 재배포할 시에는 수정한 부분을 반드시 명시해야 합니다</a:t>
-            </a:r>
-            <a:r>
-              <a:rPr lang="en-US" altLang="ko-KR" sz="800" dirty="0">
-                <a:latin typeface="나눔 고딕"/>
-              </a:rPr>
-              <a:t>.</a:t>
-            </a:r>
-          </a:p>
-        </p:txBody>
-      </p:sp>
-    </p:spTree>
   </p:cSld>
   <p:clrMapOvr>
     <a:masterClrMapping/>
@@ -13910,6 +13590,401 @@
         <p14:creationId xmlns:p14="http://schemas.microsoft.com/office/powerpoint/2010/main" val="46431773"/>
       </p:ext>
     </p:extLst>
+  </p:cSld>
+  <p:clrMapOvr>
+    <a:masterClrMapping/>
+  </p:clrMapOvr>
+</p:sld>
+</file>
+
+<file path=ppt/slides/slide50.xml><?xml version="1.0" encoding="utf-8"?>
+<p:sld xmlns:a="http://schemas.openxmlformats.org/drawingml/2006/main" xmlns:r="http://schemas.openxmlformats.org/officeDocument/2006/relationships" xmlns:p="http://schemas.openxmlformats.org/presentationml/2006/main">
+  <p:cSld>
+    <p:spTree>
+      <p:nvGrpSpPr>
+        <p:cNvPr id="1" name=""/>
+        <p:cNvGrpSpPr/>
+        <p:nvPr/>
+      </p:nvGrpSpPr>
+      <p:grpSpPr>
+        <a:xfrm>
+          <a:off x="0" y="0"/>
+          <a:ext cx="0" cy="0"/>
+          <a:chOff x="0" y="0"/>
+          <a:chExt cx="0" cy="0"/>
+        </a:xfrm>
+      </p:grpSpPr>
+      <p:sp>
+        <p:nvSpPr>
+          <p:cNvPr id="2" name="제목 1"/>
+          <p:cNvSpPr>
+            <a:spLocks noGrp="1"/>
+          </p:cNvSpPr>
+          <p:nvPr>
+            <p:ph type="ctrTitle"/>
+          </p:nvPr>
+        </p:nvSpPr>
+        <p:spPr>
+          <a:xfrm>
+            <a:off x="489118" y="2394473"/>
+            <a:ext cx="8157370" cy="1041751"/>
+          </a:xfrm>
+        </p:spPr>
+        <p:txBody>
+          <a:bodyPr anchor="ctr">
+            <a:normAutofit/>
+          </a:bodyPr>
+          <a:lstStyle/>
+          <a:p>
+            <a:r>
+              <a:rPr lang="en-US" altLang="ko-KR" sz="4000" b="1" spc="-250" dirty="0">
+                <a:solidFill>
+                  <a:schemeClr val="accent4">
+                    <a:lumMod val="50000"/>
+                  </a:schemeClr>
+                </a:solidFill>
+                <a:latin typeface="나눔고딕" pitchFamily="50" charset="-127"/>
+                <a:ea typeface="나눔고딕" pitchFamily="50" charset="-127"/>
+              </a:rPr>
+              <a:t>Thank you for your attention</a:t>
+            </a:r>
+            <a:endParaRPr lang="ko-KR" altLang="en-US" sz="4000" b="1" spc="-250" dirty="0">
+              <a:solidFill>
+                <a:schemeClr val="accent4">
+                  <a:lumMod val="50000"/>
+                </a:schemeClr>
+              </a:solidFill>
+              <a:latin typeface="나눔고딕" pitchFamily="50" charset="-127"/>
+              <a:ea typeface="나눔고딕" pitchFamily="50" charset="-127"/>
+            </a:endParaRPr>
+          </a:p>
+        </p:txBody>
+      </p:sp>
+      <p:cxnSp>
+        <p:nvCxnSpPr>
+          <p:cNvPr id="10" name="직선 연결선 9"/>
+          <p:cNvCxnSpPr/>
+          <p:nvPr/>
+        </p:nvCxnSpPr>
+        <p:spPr>
+          <a:xfrm>
+            <a:off x="364803" y="3434686"/>
+            <a:ext cx="8406000" cy="0"/>
+          </a:xfrm>
+          <a:prstGeom prst="line">
+            <a:avLst/>
+          </a:prstGeom>
+          <a:ln w="12700">
+            <a:solidFill>
+              <a:schemeClr val="accent4">
+                <a:lumMod val="50000"/>
+              </a:schemeClr>
+            </a:solidFill>
+          </a:ln>
+        </p:spPr>
+        <p:style>
+          <a:lnRef idx="1">
+            <a:schemeClr val="accent1"/>
+          </a:lnRef>
+          <a:fillRef idx="0">
+            <a:schemeClr val="accent1"/>
+          </a:fillRef>
+          <a:effectRef idx="0">
+            <a:schemeClr val="accent1"/>
+          </a:effectRef>
+          <a:fontRef idx="minor">
+            <a:schemeClr val="tx1"/>
+          </a:fontRef>
+        </p:style>
+      </p:cxnSp>
+      <p:sp>
+        <p:nvSpPr>
+          <p:cNvPr id="4" name="부제목 2"/>
+          <p:cNvSpPr txBox="1">
+            <a:spLocks/>
+          </p:cNvSpPr>
+          <p:nvPr/>
+        </p:nvSpPr>
+        <p:spPr>
+          <a:xfrm>
+            <a:off x="4583927" y="6021288"/>
+            <a:ext cx="5460173" cy="692696"/>
+          </a:xfrm>
+          <a:prstGeom prst="rect">
+            <a:avLst/>
+          </a:prstGeom>
+        </p:spPr>
+        <p:txBody>
+          <a:bodyPr vert="horz" lIns="91440" tIns="45720" rIns="91440" bIns="45720" rtlCol="0">
+            <a:noAutofit/>
+          </a:bodyPr>
+          <a:lstStyle>
+            <a:lvl1pPr marL="0" indent="0" algn="l" defTabSz="914400" rtl="0" eaLnBrk="1" latinLnBrk="1" hangingPunct="1">
+              <a:spcBef>
+                <a:spcPct val="20000"/>
+              </a:spcBef>
+              <a:buFont typeface="Arial" pitchFamily="34" charset="0"/>
+              <a:buNone/>
+              <a:defRPr sz="3200" kern="1200">
+                <a:solidFill>
+                  <a:schemeClr val="tx1">
+                    <a:tint val="75000"/>
+                  </a:schemeClr>
+                </a:solidFill>
+                <a:latin typeface="+mn-lt"/>
+                <a:ea typeface="+mn-ea"/>
+                <a:cs typeface="+mn-cs"/>
+              </a:defRPr>
+            </a:lvl1pPr>
+            <a:lvl2pPr marL="457200" indent="0" algn="ctr" defTabSz="914400" rtl="0" eaLnBrk="1" latinLnBrk="1" hangingPunct="1">
+              <a:spcBef>
+                <a:spcPct val="20000"/>
+              </a:spcBef>
+              <a:buFont typeface="Arial" pitchFamily="34" charset="0"/>
+              <a:buNone/>
+              <a:defRPr sz="2800" kern="1200">
+                <a:solidFill>
+                  <a:schemeClr val="tx1">
+                    <a:tint val="75000"/>
+                  </a:schemeClr>
+                </a:solidFill>
+                <a:latin typeface="+mn-lt"/>
+                <a:ea typeface="+mn-ea"/>
+                <a:cs typeface="+mn-cs"/>
+              </a:defRPr>
+            </a:lvl2pPr>
+            <a:lvl3pPr marL="914400" indent="0" algn="ctr" defTabSz="914400" rtl="0" eaLnBrk="1" latinLnBrk="1" hangingPunct="1">
+              <a:spcBef>
+                <a:spcPct val="20000"/>
+              </a:spcBef>
+              <a:buFont typeface="Arial" pitchFamily="34" charset="0"/>
+              <a:buNone/>
+              <a:defRPr sz="2400" kern="1200">
+                <a:solidFill>
+                  <a:schemeClr val="tx1">
+                    <a:tint val="75000"/>
+                  </a:schemeClr>
+                </a:solidFill>
+                <a:latin typeface="+mn-lt"/>
+                <a:ea typeface="+mn-ea"/>
+                <a:cs typeface="+mn-cs"/>
+              </a:defRPr>
+            </a:lvl3pPr>
+            <a:lvl4pPr marL="1371600" indent="0" algn="ctr" defTabSz="914400" rtl="0" eaLnBrk="1" latinLnBrk="1" hangingPunct="1">
+              <a:spcBef>
+                <a:spcPct val="20000"/>
+              </a:spcBef>
+              <a:buFont typeface="Arial" pitchFamily="34" charset="0"/>
+              <a:buNone/>
+              <a:defRPr sz="2000" kern="1200">
+                <a:solidFill>
+                  <a:schemeClr val="tx1">
+                    <a:tint val="75000"/>
+                  </a:schemeClr>
+                </a:solidFill>
+                <a:latin typeface="+mn-lt"/>
+                <a:ea typeface="+mn-ea"/>
+                <a:cs typeface="+mn-cs"/>
+              </a:defRPr>
+            </a:lvl4pPr>
+            <a:lvl5pPr marL="1828800" indent="0" algn="ctr" defTabSz="914400" rtl="0" eaLnBrk="1" latinLnBrk="1" hangingPunct="1">
+              <a:spcBef>
+                <a:spcPct val="20000"/>
+              </a:spcBef>
+              <a:buFont typeface="Arial" pitchFamily="34" charset="0"/>
+              <a:buNone/>
+              <a:defRPr sz="2000" kern="1200">
+                <a:solidFill>
+                  <a:schemeClr val="tx1">
+                    <a:tint val="75000"/>
+                  </a:schemeClr>
+                </a:solidFill>
+                <a:latin typeface="+mn-lt"/>
+                <a:ea typeface="+mn-ea"/>
+                <a:cs typeface="+mn-cs"/>
+              </a:defRPr>
+            </a:lvl5pPr>
+            <a:lvl6pPr marL="2286000" indent="0" algn="ctr" defTabSz="914400" rtl="0" eaLnBrk="1" latinLnBrk="1" hangingPunct="1">
+              <a:spcBef>
+                <a:spcPct val="20000"/>
+              </a:spcBef>
+              <a:buFont typeface="Arial" pitchFamily="34" charset="0"/>
+              <a:buNone/>
+              <a:defRPr sz="2000" kern="1200">
+                <a:solidFill>
+                  <a:schemeClr val="tx1">
+                    <a:tint val="75000"/>
+                  </a:schemeClr>
+                </a:solidFill>
+                <a:latin typeface="+mn-lt"/>
+                <a:ea typeface="+mn-ea"/>
+                <a:cs typeface="+mn-cs"/>
+              </a:defRPr>
+            </a:lvl6pPr>
+            <a:lvl7pPr marL="2743200" indent="0" algn="ctr" defTabSz="914400" rtl="0" eaLnBrk="1" latinLnBrk="1" hangingPunct="1">
+              <a:spcBef>
+                <a:spcPct val="20000"/>
+              </a:spcBef>
+              <a:buFont typeface="Arial" pitchFamily="34" charset="0"/>
+              <a:buNone/>
+              <a:defRPr sz="2000" kern="1200">
+                <a:solidFill>
+                  <a:schemeClr val="tx1">
+                    <a:tint val="75000"/>
+                  </a:schemeClr>
+                </a:solidFill>
+                <a:latin typeface="+mn-lt"/>
+                <a:ea typeface="+mn-ea"/>
+                <a:cs typeface="+mn-cs"/>
+              </a:defRPr>
+            </a:lvl7pPr>
+            <a:lvl8pPr marL="3200400" indent="0" algn="ctr" defTabSz="914400" rtl="0" eaLnBrk="1" latinLnBrk="1" hangingPunct="1">
+              <a:spcBef>
+                <a:spcPct val="20000"/>
+              </a:spcBef>
+              <a:buFont typeface="Arial" pitchFamily="34" charset="0"/>
+              <a:buNone/>
+              <a:defRPr sz="2000" kern="1200">
+                <a:solidFill>
+                  <a:schemeClr val="tx1">
+                    <a:tint val="75000"/>
+                  </a:schemeClr>
+                </a:solidFill>
+                <a:latin typeface="+mn-lt"/>
+                <a:ea typeface="+mn-ea"/>
+                <a:cs typeface="+mn-cs"/>
+              </a:defRPr>
+            </a:lvl8pPr>
+            <a:lvl9pPr marL="3657600" indent="0" algn="ctr" defTabSz="914400" rtl="0" eaLnBrk="1" latinLnBrk="1" hangingPunct="1">
+              <a:spcBef>
+                <a:spcPct val="20000"/>
+              </a:spcBef>
+              <a:buFont typeface="Arial" pitchFamily="34" charset="0"/>
+              <a:buNone/>
+              <a:defRPr sz="2000" kern="1200">
+                <a:solidFill>
+                  <a:schemeClr val="tx1">
+                    <a:tint val="75000"/>
+                  </a:schemeClr>
+                </a:solidFill>
+                <a:latin typeface="+mn-lt"/>
+                <a:ea typeface="+mn-ea"/>
+                <a:cs typeface="+mn-cs"/>
+              </a:defRPr>
+            </a:lvl9pPr>
+          </a:lstStyle>
+          <a:p>
+            <a:r>
+              <a:rPr lang="ko-KR" altLang="en-US" sz="800" dirty="0">
+                <a:latin typeface="나눔 고딕"/>
+              </a:rPr>
+              <a:t>ⓒ </a:t>
+            </a:r>
+            <a:r>
+              <a:rPr lang="en-US" altLang="ko-KR" sz="800" dirty="0">
+                <a:latin typeface="나눔 고딕"/>
+              </a:rPr>
+              <a:t>2021. </a:t>
+            </a:r>
+            <a:r>
+              <a:rPr lang="ko-KR" altLang="en-US" sz="800" dirty="0" err="1">
+                <a:latin typeface="나눔 고딕"/>
+              </a:rPr>
+              <a:t>변구훈</a:t>
+            </a:r>
+            <a:r>
+              <a:rPr lang="ko-KR" altLang="en-US" sz="800" dirty="0">
+                <a:latin typeface="나눔 고딕"/>
+              </a:rPr>
+              <a:t> </a:t>
+            </a:r>
+            <a:r>
+              <a:rPr lang="en-US" altLang="ko-KR" sz="800" dirty="0">
+                <a:latin typeface="나눔 고딕"/>
+              </a:rPr>
+              <a:t>&amp; </a:t>
+            </a:r>
+            <a:r>
+              <a:rPr lang="ko-KR" altLang="en-US" sz="800" dirty="0" err="1">
+                <a:latin typeface="나눔 고딕"/>
+              </a:rPr>
+              <a:t>로드북</a:t>
+            </a:r>
+            <a:r>
+              <a:rPr lang="ko-KR" altLang="en-US" sz="800" dirty="0">
+                <a:latin typeface="나눔 고딕"/>
+              </a:rPr>
+              <a:t> </a:t>
+            </a:r>
+            <a:r>
+              <a:rPr lang="en-US" altLang="ko-KR" sz="800" dirty="0">
+                <a:latin typeface="나눔 고딕"/>
+              </a:rPr>
+              <a:t>all rights reserved.</a:t>
+            </a:r>
+            <a:br>
+              <a:rPr lang="en-US" altLang="ko-KR" sz="800" dirty="0">
+                <a:latin typeface="나눔 고딕"/>
+              </a:rPr>
+            </a:br>
+            <a:r>
+              <a:rPr lang="en-US" altLang="ko-KR" sz="800" dirty="0">
+                <a:latin typeface="나눔 고딕"/>
+              </a:rPr>
+              <a:t/>
+            </a:r>
+            <a:br>
+              <a:rPr lang="en-US" altLang="ko-KR" sz="800" dirty="0">
+                <a:latin typeface="나눔 고딕"/>
+              </a:rPr>
+            </a:br>
+            <a:r>
+              <a:rPr lang="ko-KR" altLang="en-US" sz="800" dirty="0">
+                <a:latin typeface="나눔 고딕"/>
+              </a:rPr>
+              <a:t>이 콘텐츠의 저작권은 조휘용과 로드북에 있습니다</a:t>
+            </a:r>
+            <a:r>
+              <a:rPr lang="en-US" altLang="ko-KR" sz="800" dirty="0">
+                <a:latin typeface="나눔 고딕"/>
+              </a:rPr>
+              <a:t>. </a:t>
+            </a:r>
+            <a:br>
+              <a:rPr lang="en-US" altLang="ko-KR" sz="800" dirty="0">
+                <a:latin typeface="나눔 고딕"/>
+              </a:rPr>
+            </a:br>
+            <a:r>
+              <a:rPr lang="ko-KR" altLang="en-US" sz="800" dirty="0">
+                <a:latin typeface="나눔 고딕"/>
+              </a:rPr>
+              <a:t>재배포가 가능하지만 저작권자 표시 및 콘텐츠 시작 부분에 나오는 표지를 반드시 실어야 합니다</a:t>
+            </a:r>
+            <a:r>
+              <a:rPr lang="en-US" altLang="ko-KR" sz="800" dirty="0">
+                <a:latin typeface="나눔 고딕"/>
+              </a:rPr>
+              <a:t>.</a:t>
+            </a:r>
+          </a:p>
+          <a:p>
+            <a:r>
+              <a:rPr lang="ko-KR" altLang="en-US" sz="800" dirty="0">
+                <a:latin typeface="나눔 고딕"/>
+              </a:rPr>
+              <a:t>수정하여 재배포할 시에는 수정한 부분을 반드시 명시해야 합니다</a:t>
+            </a:r>
+            <a:r>
+              <a:rPr lang="en-US" altLang="ko-KR" sz="800" dirty="0">
+                <a:latin typeface="나눔 고딕"/>
+              </a:rPr>
+              <a:t>.</a:t>
+            </a:r>
+          </a:p>
+        </p:txBody>
+      </p:sp>
+    </p:spTree>
   </p:cSld>
   <p:clrMapOvr>
     <a:masterClrMapping/>

--- a/쇼핑몰/쇼핑몰 프로젝트_7장.pptx
+++ b/쇼핑몰/쇼핑몰 프로젝트_7장.pptx
@@ -2564,7 +2564,7 @@
             <a:fld id="{CD7ED4FF-6B0E-42FA-A737-D604B334571E}" type="datetimeFigureOut">
               <a:rPr lang="ko-KR" altLang="en-US" smtClean="0"/>
               <a:pPr/>
-              <a:t>2023-08-17</a:t>
+              <a:t>2023-08-21</a:t>
             </a:fld>
             <a:endParaRPr lang="ko-KR" altLang="en-US"/>
           </a:p>
@@ -3094,7 +3094,7 @@
             <a:fld id="{945CA99F-7021-4A81-BE66-6CA625D4B2D7}" type="datetimeFigureOut">
               <a:rPr lang="ko-KR" altLang="en-US" smtClean="0"/>
               <a:pPr/>
-              <a:t>2023-08-17</a:t>
+              <a:t>2023-08-21</a:t>
             </a:fld>
             <a:endParaRPr lang="ko-KR" altLang="en-US"/>
           </a:p>
@@ -3264,7 +3264,7 @@
             <a:fld id="{945CA99F-7021-4A81-BE66-6CA625D4B2D7}" type="datetimeFigureOut">
               <a:rPr lang="ko-KR" altLang="en-US" smtClean="0"/>
               <a:pPr/>
-              <a:t>2023-08-17</a:t>
+              <a:t>2023-08-21</a:t>
             </a:fld>
             <a:endParaRPr lang="ko-KR" altLang="en-US"/>
           </a:p>
@@ -3444,7 +3444,7 @@
             <a:fld id="{945CA99F-7021-4A81-BE66-6CA625D4B2D7}" type="datetimeFigureOut">
               <a:rPr lang="ko-KR" altLang="en-US" smtClean="0"/>
               <a:pPr/>
-              <a:t>2023-08-17</a:t>
+              <a:t>2023-08-21</a:t>
             </a:fld>
             <a:endParaRPr lang="ko-KR" altLang="en-US"/>
           </a:p>
@@ -4005,7 +4005,7 @@
             <a:fld id="{945CA99F-7021-4A81-BE66-6CA625D4B2D7}" type="datetimeFigureOut">
               <a:rPr lang="ko-KR" altLang="en-US" smtClean="0"/>
               <a:pPr/>
-              <a:t>2023-08-17</a:t>
+              <a:t>2023-08-21</a:t>
             </a:fld>
             <a:endParaRPr lang="ko-KR" altLang="en-US"/>
           </a:p>
@@ -4292,7 +4292,7 @@
             <a:fld id="{945CA99F-7021-4A81-BE66-6CA625D4B2D7}" type="datetimeFigureOut">
               <a:rPr lang="ko-KR" altLang="en-US" smtClean="0"/>
               <a:pPr/>
-              <a:t>2023-08-17</a:t>
+              <a:t>2023-08-21</a:t>
             </a:fld>
             <a:endParaRPr lang="ko-KR" altLang="en-US"/>
           </a:p>
@@ -4713,7 +4713,7 @@
             <a:fld id="{945CA99F-7021-4A81-BE66-6CA625D4B2D7}" type="datetimeFigureOut">
               <a:rPr lang="ko-KR" altLang="en-US" smtClean="0"/>
               <a:pPr/>
-              <a:t>2023-08-17</a:t>
+              <a:t>2023-08-21</a:t>
             </a:fld>
             <a:endParaRPr lang="ko-KR" altLang="en-US"/>
           </a:p>
@@ -4832,7 +4832,7 @@
             <a:fld id="{945CA99F-7021-4A81-BE66-6CA625D4B2D7}" type="datetimeFigureOut">
               <a:rPr lang="ko-KR" altLang="en-US" smtClean="0"/>
               <a:pPr/>
-              <a:t>2023-08-17</a:t>
+              <a:t>2023-08-21</a:t>
             </a:fld>
             <a:endParaRPr lang="ko-KR" altLang="en-US"/>
           </a:p>
@@ -4929,7 +4929,7 @@
             <a:fld id="{945CA99F-7021-4A81-BE66-6CA625D4B2D7}" type="datetimeFigureOut">
               <a:rPr lang="ko-KR" altLang="en-US" smtClean="0"/>
               <a:pPr/>
-              <a:t>2023-08-17</a:t>
+              <a:t>2023-08-21</a:t>
             </a:fld>
             <a:endParaRPr lang="ko-KR" altLang="en-US"/>
           </a:p>
@@ -5206,7 +5206,7 @@
             <a:fld id="{945CA99F-7021-4A81-BE66-6CA625D4B2D7}" type="datetimeFigureOut">
               <a:rPr lang="ko-KR" altLang="en-US" smtClean="0"/>
               <a:pPr/>
-              <a:t>2023-08-17</a:t>
+              <a:t>2023-08-21</a:t>
             </a:fld>
             <a:endParaRPr lang="ko-KR" altLang="en-US"/>
           </a:p>
@@ -5460,7 +5460,7 @@
             <a:fld id="{945CA99F-7021-4A81-BE66-6CA625D4B2D7}" type="datetimeFigureOut">
               <a:rPr lang="ko-KR" altLang="en-US" smtClean="0"/>
               <a:pPr/>
-              <a:t>2023-08-17</a:t>
+              <a:t>2023-08-21</a:t>
             </a:fld>
             <a:endParaRPr lang="ko-KR" altLang="en-US"/>
           </a:p>
@@ -5673,7 +5673,7 @@
             <a:fld id="{945CA99F-7021-4A81-BE66-6CA625D4B2D7}" type="datetimeFigureOut">
               <a:rPr lang="ko-KR" altLang="en-US" smtClean="0"/>
               <a:pPr/>
-              <a:t>2023-08-17</a:t>
+              <a:t>2023-08-21</a:t>
             </a:fld>
             <a:endParaRPr lang="ko-KR" altLang="en-US"/>
           </a:p>
@@ -14402,7 +14402,7 @@
         </p:nvGrpSpPr>
         <p:grpSpPr>
           <a:xfrm>
-            <a:off x="395536" y="980728"/>
+            <a:off x="323528" y="980728"/>
             <a:ext cx="3629236" cy="5375498"/>
             <a:chOff x="438708" y="968256"/>
             <a:chExt cx="4363670" cy="5964034"/>
